--- a/Resources icons.pptx
+++ b/Resources icons.pptx
@@ -6,6 +6,7 @@
   </p:sldMasterIdLst>
   <p:sldIdLst>
     <p:sldId id="256" r:id="rId2"/>
+    <p:sldId id="257" r:id="rId3"/>
   </p:sldIdLst>
   <p:sldSz cx="3292475" cy="3382963"/>
   <p:notesSz cx="6858000" cy="9144000"/>
@@ -104,6 +105,11 @@
       </a:defRPr>
     </a:lvl9pPr>
   </p:defaultTextStyle>
+  <p:extLst>
+    <p:ext uri="{EFAFB233-063F-42B5-8137-9DF3F51BA10A}">
+      <p15:sldGuideLst xmlns:p15="http://schemas.microsoft.com/office/powerpoint/2012/main"/>
+    </p:ext>
+  </p:extLst>
 </p:presentation>
 </file>
 
@@ -238,7 +244,7 @@
           <a:p>
             <a:fld id="{97F42F77-D351-6641-9F8C-9C5A237B305B}" type="datetimeFigureOut">
               <a:rPr lang="en-US" smtClean="0"/>
-              <a:t>10/5/21</a:t>
+              <a:t>6/14/22</a:t>
             </a:fld>
             <a:endParaRPr lang="en-US"/>
           </a:p>
@@ -408,7 +414,7 @@
           <a:p>
             <a:fld id="{97F42F77-D351-6641-9F8C-9C5A237B305B}" type="datetimeFigureOut">
               <a:rPr lang="en-US" smtClean="0"/>
-              <a:t>10/5/21</a:t>
+              <a:t>6/14/22</a:t>
             </a:fld>
             <a:endParaRPr lang="en-US"/>
           </a:p>
@@ -588,7 +594,7 @@
           <a:p>
             <a:fld id="{97F42F77-D351-6641-9F8C-9C5A237B305B}" type="datetimeFigureOut">
               <a:rPr lang="en-US" smtClean="0"/>
-              <a:t>10/5/21</a:t>
+              <a:t>6/14/22</a:t>
             </a:fld>
             <a:endParaRPr lang="en-US"/>
           </a:p>
@@ -758,7 +764,7 @@
           <a:p>
             <a:fld id="{97F42F77-D351-6641-9F8C-9C5A237B305B}" type="datetimeFigureOut">
               <a:rPr lang="en-US" smtClean="0"/>
-              <a:t>10/5/21</a:t>
+              <a:t>6/14/22</a:t>
             </a:fld>
             <a:endParaRPr lang="en-US"/>
           </a:p>
@@ -1002,7 +1008,7 @@
           <a:p>
             <a:fld id="{97F42F77-D351-6641-9F8C-9C5A237B305B}" type="datetimeFigureOut">
               <a:rPr lang="en-US" smtClean="0"/>
-              <a:t>10/5/21</a:t>
+              <a:t>6/14/22</a:t>
             </a:fld>
             <a:endParaRPr lang="en-US"/>
           </a:p>
@@ -1234,7 +1240,7 @@
           <a:p>
             <a:fld id="{97F42F77-D351-6641-9F8C-9C5A237B305B}" type="datetimeFigureOut">
               <a:rPr lang="en-US" smtClean="0"/>
-              <a:t>10/5/21</a:t>
+              <a:t>6/14/22</a:t>
             </a:fld>
             <a:endParaRPr lang="en-US"/>
           </a:p>
@@ -1601,7 +1607,7 @@
           <a:p>
             <a:fld id="{97F42F77-D351-6641-9F8C-9C5A237B305B}" type="datetimeFigureOut">
               <a:rPr lang="en-US" smtClean="0"/>
-              <a:t>10/5/21</a:t>
+              <a:t>6/14/22</a:t>
             </a:fld>
             <a:endParaRPr lang="en-US"/>
           </a:p>
@@ -1719,7 +1725,7 @@
           <a:p>
             <a:fld id="{97F42F77-D351-6641-9F8C-9C5A237B305B}" type="datetimeFigureOut">
               <a:rPr lang="en-US" smtClean="0"/>
-              <a:t>10/5/21</a:t>
+              <a:t>6/14/22</a:t>
             </a:fld>
             <a:endParaRPr lang="en-US"/>
           </a:p>
@@ -1814,7 +1820,7 @@
           <a:p>
             <a:fld id="{97F42F77-D351-6641-9F8C-9C5A237B305B}" type="datetimeFigureOut">
               <a:rPr lang="en-US" smtClean="0"/>
-              <a:t>10/5/21</a:t>
+              <a:t>6/14/22</a:t>
             </a:fld>
             <a:endParaRPr lang="en-US"/>
           </a:p>
@@ -2091,7 +2097,7 @@
           <a:p>
             <a:fld id="{97F42F77-D351-6641-9F8C-9C5A237B305B}" type="datetimeFigureOut">
               <a:rPr lang="en-US" smtClean="0"/>
-              <a:t>10/5/21</a:t>
+              <a:t>6/14/22</a:t>
             </a:fld>
             <a:endParaRPr lang="en-US"/>
           </a:p>
@@ -2348,7 +2354,7 @@
           <a:p>
             <a:fld id="{97F42F77-D351-6641-9F8C-9C5A237B305B}" type="datetimeFigureOut">
               <a:rPr lang="en-US" smtClean="0"/>
-              <a:t>10/5/21</a:t>
+              <a:t>6/14/22</a:t>
             </a:fld>
             <a:endParaRPr lang="en-US"/>
           </a:p>
@@ -2561,7 +2567,7 @@
           <a:p>
             <a:fld id="{97F42F77-D351-6641-9F8C-9C5A237B305B}" type="datetimeFigureOut">
               <a:rPr lang="en-US" smtClean="0"/>
-              <a:t>10/5/21</a:t>
+              <a:t>6/14/22</a:t>
             </a:fld>
             <a:endParaRPr lang="en-US"/>
           </a:p>
@@ -7627,6 +7633,836 @@
 </p:sld>
 </file>
 
+<file path=ppt/slides/slide2.xml><?xml version="1.0" encoding="utf-8"?>
+<p:sld xmlns:a="http://schemas.openxmlformats.org/drawingml/2006/main" xmlns:r="http://schemas.openxmlformats.org/officeDocument/2006/relationships" xmlns:p="http://schemas.openxmlformats.org/presentationml/2006/main">
+  <p:cSld>
+    <p:spTree>
+      <p:nvGrpSpPr>
+        <p:cNvPr id="1" name=""/>
+        <p:cNvGrpSpPr/>
+        <p:nvPr/>
+      </p:nvGrpSpPr>
+      <p:grpSpPr>
+        <a:xfrm>
+          <a:off x="0" y="0"/>
+          <a:ext cx="0" cy="0"/>
+          <a:chOff x="0" y="0"/>
+          <a:chExt cx="0" cy="0"/>
+        </a:xfrm>
+      </p:grpSpPr>
+      <p:sp>
+        <p:nvSpPr>
+          <p:cNvPr id="4" name="Rectangle 3">
+            <a:extLst>
+              <a:ext uri="{FF2B5EF4-FFF2-40B4-BE49-F238E27FC236}">
+                <a16:creationId xmlns:a16="http://schemas.microsoft.com/office/drawing/2014/main" id="{D7877FE1-39ED-234A-8655-CF4FA90341A6}"/>
+              </a:ext>
+            </a:extLst>
+          </p:cNvPr>
+          <p:cNvSpPr/>
+          <p:nvPr/>
+        </p:nvSpPr>
+        <p:spPr>
+          <a:xfrm>
+            <a:off x="39245" y="46741"/>
+            <a:ext cx="3200400" cy="3277892"/>
+          </a:xfrm>
+          <a:prstGeom prst="rect">
+            <a:avLst/>
+          </a:prstGeom>
+          <a:noFill/>
+          <a:ln w="38100">
+            <a:solidFill>
+              <a:schemeClr val="tx1"/>
+            </a:solidFill>
+          </a:ln>
+        </p:spPr>
+        <p:style>
+          <a:lnRef idx="2">
+            <a:schemeClr val="accent1">
+              <a:shade val="50000"/>
+            </a:schemeClr>
+          </a:lnRef>
+          <a:fillRef idx="1">
+            <a:schemeClr val="accent1"/>
+          </a:fillRef>
+          <a:effectRef idx="0">
+            <a:schemeClr val="accent1"/>
+          </a:effectRef>
+          <a:fontRef idx="minor">
+            <a:schemeClr val="lt1"/>
+          </a:fontRef>
+        </p:style>
+        <p:txBody>
+          <a:bodyPr rot="0" spcFirstLastPara="0" vertOverflow="overflow" horzOverflow="overflow" vert="horz" wrap="square" lIns="91440" tIns="45720" rIns="91440" bIns="45720" numCol="1" spcCol="0" rtlCol="0" fromWordArt="0" anchor="ctr" anchorCtr="0" forceAA="0" compatLnSpc="1">
+            <a:prstTxWarp prst="textNoShape">
+              <a:avLst/>
+            </a:prstTxWarp>
+            <a:noAutofit/>
+          </a:bodyPr>
+          <a:lstStyle/>
+          <a:p>
+            <a:pPr algn="ctr"/>
+            <a:endParaRPr lang="en-US"/>
+          </a:p>
+        </p:txBody>
+      </p:sp>
+      <p:sp>
+        <p:nvSpPr>
+          <p:cNvPr id="5" name="Rectangle 4">
+            <a:extLst>
+              <a:ext uri="{FF2B5EF4-FFF2-40B4-BE49-F238E27FC236}">
+                <a16:creationId xmlns:a16="http://schemas.microsoft.com/office/drawing/2014/main" id="{C539E701-43C9-9F49-A8F7-B43ECACE0A99}"/>
+              </a:ext>
+            </a:extLst>
+          </p:cNvPr>
+          <p:cNvSpPr/>
+          <p:nvPr/>
+        </p:nvSpPr>
+        <p:spPr>
+          <a:xfrm>
+            <a:off x="1056290" y="793530"/>
+            <a:ext cx="1760482" cy="2233448"/>
+          </a:xfrm>
+          <a:prstGeom prst="rect">
+            <a:avLst/>
+          </a:prstGeom>
+          <a:solidFill>
+            <a:schemeClr val="bg1"/>
+          </a:solidFill>
+          <a:ln w="28575">
+            <a:solidFill>
+              <a:schemeClr val="tx1"/>
+            </a:solidFill>
+          </a:ln>
+        </p:spPr>
+        <p:style>
+          <a:lnRef idx="2">
+            <a:schemeClr val="accent1">
+              <a:shade val="50000"/>
+            </a:schemeClr>
+          </a:lnRef>
+          <a:fillRef idx="1">
+            <a:schemeClr val="accent1"/>
+          </a:fillRef>
+          <a:effectRef idx="0">
+            <a:schemeClr val="accent1"/>
+          </a:effectRef>
+          <a:fontRef idx="minor">
+            <a:schemeClr val="lt1"/>
+          </a:fontRef>
+        </p:style>
+        <p:txBody>
+          <a:bodyPr rtlCol="0" anchor="ctr"/>
+          <a:lstStyle/>
+          <a:p>
+            <a:pPr algn="ctr"/>
+            <a:endParaRPr lang="en-US"/>
+          </a:p>
+        </p:txBody>
+      </p:sp>
+      <p:sp>
+        <p:nvSpPr>
+          <p:cNvPr id="11" name="Rectangle 10">
+            <a:extLst>
+              <a:ext uri="{FF2B5EF4-FFF2-40B4-BE49-F238E27FC236}">
+                <a16:creationId xmlns:a16="http://schemas.microsoft.com/office/drawing/2014/main" id="{A347DFC7-DC08-CA45-B0FA-9BE7B138AF90}"/>
+              </a:ext>
+            </a:extLst>
+          </p:cNvPr>
+          <p:cNvSpPr/>
+          <p:nvPr/>
+        </p:nvSpPr>
+        <p:spPr>
+          <a:xfrm>
+            <a:off x="880410" y="637765"/>
+            <a:ext cx="1760482" cy="2233448"/>
+          </a:xfrm>
+          <a:prstGeom prst="rect">
+            <a:avLst/>
+          </a:prstGeom>
+          <a:solidFill>
+            <a:schemeClr val="bg1"/>
+          </a:solidFill>
+          <a:ln w="28575">
+            <a:solidFill>
+              <a:schemeClr val="tx1"/>
+            </a:solidFill>
+          </a:ln>
+        </p:spPr>
+        <p:style>
+          <a:lnRef idx="2">
+            <a:schemeClr val="accent1">
+              <a:shade val="50000"/>
+            </a:schemeClr>
+          </a:lnRef>
+          <a:fillRef idx="1">
+            <a:schemeClr val="accent1"/>
+          </a:fillRef>
+          <a:effectRef idx="0">
+            <a:schemeClr val="accent1"/>
+          </a:effectRef>
+          <a:fontRef idx="minor">
+            <a:schemeClr val="lt1"/>
+          </a:fontRef>
+        </p:style>
+        <p:txBody>
+          <a:bodyPr rtlCol="0" anchor="ctr"/>
+          <a:lstStyle/>
+          <a:p>
+            <a:pPr algn="ctr"/>
+            <a:endParaRPr lang="en-US"/>
+          </a:p>
+        </p:txBody>
+      </p:sp>
+      <p:sp>
+        <p:nvSpPr>
+          <p:cNvPr id="12" name="Rectangle 11">
+            <a:extLst>
+              <a:ext uri="{FF2B5EF4-FFF2-40B4-BE49-F238E27FC236}">
+                <a16:creationId xmlns:a16="http://schemas.microsoft.com/office/drawing/2014/main" id="{DAC6441E-4DCD-7D4C-8EC1-7E366DB380A7}"/>
+              </a:ext>
+            </a:extLst>
+          </p:cNvPr>
+          <p:cNvSpPr/>
+          <p:nvPr/>
+        </p:nvSpPr>
+        <p:spPr>
+          <a:xfrm>
+            <a:off x="704530" y="482000"/>
+            <a:ext cx="1760482" cy="2233448"/>
+          </a:xfrm>
+          <a:prstGeom prst="rect">
+            <a:avLst/>
+          </a:prstGeom>
+          <a:solidFill>
+            <a:schemeClr val="bg1"/>
+          </a:solidFill>
+          <a:ln w="28575">
+            <a:solidFill>
+              <a:schemeClr val="tx1"/>
+            </a:solidFill>
+          </a:ln>
+        </p:spPr>
+        <p:style>
+          <a:lnRef idx="2">
+            <a:schemeClr val="accent1">
+              <a:shade val="50000"/>
+            </a:schemeClr>
+          </a:lnRef>
+          <a:fillRef idx="1">
+            <a:schemeClr val="accent1"/>
+          </a:fillRef>
+          <a:effectRef idx="0">
+            <a:schemeClr val="accent1"/>
+          </a:effectRef>
+          <a:fontRef idx="minor">
+            <a:schemeClr val="lt1"/>
+          </a:fontRef>
+        </p:style>
+        <p:txBody>
+          <a:bodyPr rtlCol="0" anchor="ctr"/>
+          <a:lstStyle/>
+          <a:p>
+            <a:pPr algn="ctr"/>
+            <a:endParaRPr lang="en-US"/>
+          </a:p>
+        </p:txBody>
+      </p:sp>
+      <p:sp>
+        <p:nvSpPr>
+          <p:cNvPr id="13" name="Rectangle 12">
+            <a:extLst>
+              <a:ext uri="{FF2B5EF4-FFF2-40B4-BE49-F238E27FC236}">
+                <a16:creationId xmlns:a16="http://schemas.microsoft.com/office/drawing/2014/main" id="{40EDB2BB-5EEA-6A43-A1DA-093D674A8BC2}"/>
+              </a:ext>
+            </a:extLst>
+          </p:cNvPr>
+          <p:cNvSpPr/>
+          <p:nvPr/>
+        </p:nvSpPr>
+        <p:spPr>
+          <a:xfrm>
+            <a:off x="512211" y="330267"/>
+            <a:ext cx="1760482" cy="2233448"/>
+          </a:xfrm>
+          <a:prstGeom prst="rect">
+            <a:avLst/>
+          </a:prstGeom>
+          <a:solidFill>
+            <a:schemeClr val="bg1"/>
+          </a:solidFill>
+          <a:ln w="28575">
+            <a:solidFill>
+              <a:schemeClr val="tx1"/>
+            </a:solidFill>
+          </a:ln>
+        </p:spPr>
+        <p:style>
+          <a:lnRef idx="2">
+            <a:schemeClr val="accent1">
+              <a:shade val="50000"/>
+            </a:schemeClr>
+          </a:lnRef>
+          <a:fillRef idx="1">
+            <a:schemeClr val="accent1"/>
+          </a:fillRef>
+          <a:effectRef idx="0">
+            <a:schemeClr val="accent1"/>
+          </a:effectRef>
+          <a:fontRef idx="minor">
+            <a:schemeClr val="lt1"/>
+          </a:fontRef>
+        </p:style>
+        <p:txBody>
+          <a:bodyPr rtlCol="0" anchor="ctr"/>
+          <a:lstStyle/>
+          <a:p>
+            <a:pPr algn="ctr"/>
+            <a:endParaRPr lang="en-US" dirty="0"/>
+          </a:p>
+        </p:txBody>
+      </p:sp>
+      <p:cxnSp>
+        <p:nvCxnSpPr>
+          <p:cNvPr id="17" name="Straight Connector 16">
+            <a:extLst>
+              <a:ext uri="{FF2B5EF4-FFF2-40B4-BE49-F238E27FC236}">
+                <a16:creationId xmlns:a16="http://schemas.microsoft.com/office/drawing/2014/main" id="{FE659593-4B7C-4C45-93E2-FF29963A5E98}"/>
+              </a:ext>
+            </a:extLst>
+          </p:cNvPr>
+          <p:cNvCxnSpPr/>
+          <p:nvPr/>
+        </p:nvCxnSpPr>
+        <p:spPr>
+          <a:xfrm>
+            <a:off x="688765" y="888124"/>
+            <a:ext cx="1413304" cy="0"/>
+          </a:xfrm>
+          <a:prstGeom prst="line">
+            <a:avLst/>
+          </a:prstGeom>
+          <a:ln>
+            <a:solidFill>
+              <a:schemeClr val="bg2">
+                <a:lumMod val="90000"/>
+              </a:schemeClr>
+            </a:solidFill>
+          </a:ln>
+        </p:spPr>
+        <p:style>
+          <a:lnRef idx="1">
+            <a:schemeClr val="accent1"/>
+          </a:lnRef>
+          <a:fillRef idx="0">
+            <a:schemeClr val="accent1"/>
+          </a:fillRef>
+          <a:effectRef idx="0">
+            <a:schemeClr val="accent1"/>
+          </a:effectRef>
+          <a:fontRef idx="minor">
+            <a:schemeClr val="tx1"/>
+          </a:fontRef>
+        </p:style>
+      </p:cxnSp>
+      <p:cxnSp>
+        <p:nvCxnSpPr>
+          <p:cNvPr id="18" name="Straight Connector 17">
+            <a:extLst>
+              <a:ext uri="{FF2B5EF4-FFF2-40B4-BE49-F238E27FC236}">
+                <a16:creationId xmlns:a16="http://schemas.microsoft.com/office/drawing/2014/main" id="{2E59BAD4-BFBE-FF40-8A9F-845E71EBE377}"/>
+              </a:ext>
+            </a:extLst>
+          </p:cNvPr>
+          <p:cNvCxnSpPr/>
+          <p:nvPr/>
+        </p:nvCxnSpPr>
+        <p:spPr>
+          <a:xfrm>
+            <a:off x="688765" y="1056289"/>
+            <a:ext cx="1413304" cy="0"/>
+          </a:xfrm>
+          <a:prstGeom prst="line">
+            <a:avLst/>
+          </a:prstGeom>
+          <a:ln>
+            <a:solidFill>
+              <a:schemeClr val="bg2">
+                <a:lumMod val="90000"/>
+              </a:schemeClr>
+            </a:solidFill>
+          </a:ln>
+        </p:spPr>
+        <p:style>
+          <a:lnRef idx="1">
+            <a:schemeClr val="accent1"/>
+          </a:lnRef>
+          <a:fillRef idx="0">
+            <a:schemeClr val="accent1"/>
+          </a:fillRef>
+          <a:effectRef idx="0">
+            <a:schemeClr val="accent1"/>
+          </a:effectRef>
+          <a:fontRef idx="minor">
+            <a:schemeClr val="tx1"/>
+          </a:fontRef>
+        </p:style>
+      </p:cxnSp>
+      <p:cxnSp>
+        <p:nvCxnSpPr>
+          <p:cNvPr id="19" name="Straight Connector 18">
+            <a:extLst>
+              <a:ext uri="{FF2B5EF4-FFF2-40B4-BE49-F238E27FC236}">
+                <a16:creationId xmlns:a16="http://schemas.microsoft.com/office/drawing/2014/main" id="{7BB0CAF7-1052-A14D-91DE-D87844D29DCE}"/>
+              </a:ext>
+            </a:extLst>
+          </p:cNvPr>
+          <p:cNvCxnSpPr/>
+          <p:nvPr/>
+        </p:nvCxnSpPr>
+        <p:spPr>
+          <a:xfrm>
+            <a:off x="688765" y="1213945"/>
+            <a:ext cx="1413304" cy="0"/>
+          </a:xfrm>
+          <a:prstGeom prst="line">
+            <a:avLst/>
+          </a:prstGeom>
+          <a:ln>
+            <a:solidFill>
+              <a:schemeClr val="bg2">
+                <a:lumMod val="90000"/>
+              </a:schemeClr>
+            </a:solidFill>
+          </a:ln>
+        </p:spPr>
+        <p:style>
+          <a:lnRef idx="1">
+            <a:schemeClr val="accent1"/>
+          </a:lnRef>
+          <a:fillRef idx="0">
+            <a:schemeClr val="accent1"/>
+          </a:fillRef>
+          <a:effectRef idx="0">
+            <a:schemeClr val="accent1"/>
+          </a:effectRef>
+          <a:fontRef idx="minor">
+            <a:schemeClr val="tx1"/>
+          </a:fontRef>
+        </p:style>
+      </p:cxnSp>
+      <p:cxnSp>
+        <p:nvCxnSpPr>
+          <p:cNvPr id="20" name="Straight Connector 19">
+            <a:extLst>
+              <a:ext uri="{FF2B5EF4-FFF2-40B4-BE49-F238E27FC236}">
+                <a16:creationId xmlns:a16="http://schemas.microsoft.com/office/drawing/2014/main" id="{8F75C154-D24F-DC45-801E-B1B868E85BC0}"/>
+              </a:ext>
+            </a:extLst>
+          </p:cNvPr>
+          <p:cNvCxnSpPr/>
+          <p:nvPr/>
+        </p:nvCxnSpPr>
+        <p:spPr>
+          <a:xfrm>
+            <a:off x="688765" y="1376855"/>
+            <a:ext cx="1413304" cy="0"/>
+          </a:xfrm>
+          <a:prstGeom prst="line">
+            <a:avLst/>
+          </a:prstGeom>
+          <a:ln>
+            <a:solidFill>
+              <a:schemeClr val="bg2">
+                <a:lumMod val="90000"/>
+              </a:schemeClr>
+            </a:solidFill>
+          </a:ln>
+        </p:spPr>
+        <p:style>
+          <a:lnRef idx="1">
+            <a:schemeClr val="accent1"/>
+          </a:lnRef>
+          <a:fillRef idx="0">
+            <a:schemeClr val="accent1"/>
+          </a:fillRef>
+          <a:effectRef idx="0">
+            <a:schemeClr val="accent1"/>
+          </a:effectRef>
+          <a:fontRef idx="minor">
+            <a:schemeClr val="tx1"/>
+          </a:fontRef>
+        </p:style>
+      </p:cxnSp>
+      <p:cxnSp>
+        <p:nvCxnSpPr>
+          <p:cNvPr id="21" name="Straight Connector 20">
+            <a:extLst>
+              <a:ext uri="{FF2B5EF4-FFF2-40B4-BE49-F238E27FC236}">
+                <a16:creationId xmlns:a16="http://schemas.microsoft.com/office/drawing/2014/main" id="{9A18BD41-62B4-6644-B0DA-9B59B457AC7A}"/>
+              </a:ext>
+            </a:extLst>
+          </p:cNvPr>
+          <p:cNvCxnSpPr/>
+          <p:nvPr/>
+        </p:nvCxnSpPr>
+        <p:spPr>
+          <a:xfrm>
+            <a:off x="688765" y="1545020"/>
+            <a:ext cx="1413304" cy="0"/>
+          </a:xfrm>
+          <a:prstGeom prst="line">
+            <a:avLst/>
+          </a:prstGeom>
+          <a:ln>
+            <a:solidFill>
+              <a:schemeClr val="bg2">
+                <a:lumMod val="90000"/>
+              </a:schemeClr>
+            </a:solidFill>
+          </a:ln>
+        </p:spPr>
+        <p:style>
+          <a:lnRef idx="1">
+            <a:schemeClr val="accent1"/>
+          </a:lnRef>
+          <a:fillRef idx="0">
+            <a:schemeClr val="accent1"/>
+          </a:fillRef>
+          <a:effectRef idx="0">
+            <a:schemeClr val="accent1"/>
+          </a:effectRef>
+          <a:fontRef idx="minor">
+            <a:schemeClr val="tx1"/>
+          </a:fontRef>
+        </p:style>
+      </p:cxnSp>
+      <p:cxnSp>
+        <p:nvCxnSpPr>
+          <p:cNvPr id="22" name="Straight Connector 21">
+            <a:extLst>
+              <a:ext uri="{FF2B5EF4-FFF2-40B4-BE49-F238E27FC236}">
+                <a16:creationId xmlns:a16="http://schemas.microsoft.com/office/drawing/2014/main" id="{8EB46669-A94B-D648-8CD6-2F37410385B3}"/>
+              </a:ext>
+            </a:extLst>
+          </p:cNvPr>
+          <p:cNvCxnSpPr/>
+          <p:nvPr/>
+        </p:nvCxnSpPr>
+        <p:spPr>
+          <a:xfrm>
+            <a:off x="688765" y="1702676"/>
+            <a:ext cx="1413304" cy="0"/>
+          </a:xfrm>
+          <a:prstGeom prst="line">
+            <a:avLst/>
+          </a:prstGeom>
+          <a:ln>
+            <a:solidFill>
+              <a:schemeClr val="bg2">
+                <a:lumMod val="90000"/>
+              </a:schemeClr>
+            </a:solidFill>
+          </a:ln>
+        </p:spPr>
+        <p:style>
+          <a:lnRef idx="1">
+            <a:schemeClr val="accent1"/>
+          </a:lnRef>
+          <a:fillRef idx="0">
+            <a:schemeClr val="accent1"/>
+          </a:fillRef>
+          <a:effectRef idx="0">
+            <a:schemeClr val="accent1"/>
+          </a:effectRef>
+          <a:fontRef idx="minor">
+            <a:schemeClr val="tx1"/>
+          </a:fontRef>
+        </p:style>
+      </p:cxnSp>
+      <p:cxnSp>
+        <p:nvCxnSpPr>
+          <p:cNvPr id="23" name="Straight Connector 22">
+            <a:extLst>
+              <a:ext uri="{FF2B5EF4-FFF2-40B4-BE49-F238E27FC236}">
+                <a16:creationId xmlns:a16="http://schemas.microsoft.com/office/drawing/2014/main" id="{0B8F9D40-F887-E642-B110-4214281F3783}"/>
+              </a:ext>
+            </a:extLst>
+          </p:cNvPr>
+          <p:cNvCxnSpPr/>
+          <p:nvPr/>
+        </p:nvCxnSpPr>
+        <p:spPr>
+          <a:xfrm>
+            <a:off x="688765" y="1865586"/>
+            <a:ext cx="1413304" cy="0"/>
+          </a:xfrm>
+          <a:prstGeom prst="line">
+            <a:avLst/>
+          </a:prstGeom>
+          <a:ln>
+            <a:solidFill>
+              <a:schemeClr val="bg2">
+                <a:lumMod val="90000"/>
+              </a:schemeClr>
+            </a:solidFill>
+          </a:ln>
+        </p:spPr>
+        <p:style>
+          <a:lnRef idx="1">
+            <a:schemeClr val="accent1"/>
+          </a:lnRef>
+          <a:fillRef idx="0">
+            <a:schemeClr val="accent1"/>
+          </a:fillRef>
+          <a:effectRef idx="0">
+            <a:schemeClr val="accent1"/>
+          </a:effectRef>
+          <a:fontRef idx="minor">
+            <a:schemeClr val="tx1"/>
+          </a:fontRef>
+        </p:style>
+      </p:cxnSp>
+      <p:cxnSp>
+        <p:nvCxnSpPr>
+          <p:cNvPr id="24" name="Straight Connector 23">
+            <a:extLst>
+              <a:ext uri="{FF2B5EF4-FFF2-40B4-BE49-F238E27FC236}">
+                <a16:creationId xmlns:a16="http://schemas.microsoft.com/office/drawing/2014/main" id="{9E40DA10-1C0A-EC46-AC7B-85C965CA0B4F}"/>
+              </a:ext>
+            </a:extLst>
+          </p:cNvPr>
+          <p:cNvCxnSpPr/>
+          <p:nvPr/>
+        </p:nvCxnSpPr>
+        <p:spPr>
+          <a:xfrm>
+            <a:off x="688765" y="2033751"/>
+            <a:ext cx="1413304" cy="0"/>
+          </a:xfrm>
+          <a:prstGeom prst="line">
+            <a:avLst/>
+          </a:prstGeom>
+          <a:ln>
+            <a:solidFill>
+              <a:schemeClr val="bg2">
+                <a:lumMod val="90000"/>
+              </a:schemeClr>
+            </a:solidFill>
+          </a:ln>
+        </p:spPr>
+        <p:style>
+          <a:lnRef idx="1">
+            <a:schemeClr val="accent1"/>
+          </a:lnRef>
+          <a:fillRef idx="0">
+            <a:schemeClr val="accent1"/>
+          </a:fillRef>
+          <a:effectRef idx="0">
+            <a:schemeClr val="accent1"/>
+          </a:effectRef>
+          <a:fontRef idx="minor">
+            <a:schemeClr val="tx1"/>
+          </a:fontRef>
+        </p:style>
+      </p:cxnSp>
+      <p:cxnSp>
+        <p:nvCxnSpPr>
+          <p:cNvPr id="25" name="Straight Connector 24">
+            <a:extLst>
+              <a:ext uri="{FF2B5EF4-FFF2-40B4-BE49-F238E27FC236}">
+                <a16:creationId xmlns:a16="http://schemas.microsoft.com/office/drawing/2014/main" id="{1AF47BBD-83B3-B641-87CC-E6AA841F285E}"/>
+              </a:ext>
+            </a:extLst>
+          </p:cNvPr>
+          <p:cNvCxnSpPr/>
+          <p:nvPr/>
+        </p:nvCxnSpPr>
+        <p:spPr>
+          <a:xfrm>
+            <a:off x="685800" y="2175642"/>
+            <a:ext cx="1413304" cy="0"/>
+          </a:xfrm>
+          <a:prstGeom prst="line">
+            <a:avLst/>
+          </a:prstGeom>
+          <a:ln>
+            <a:solidFill>
+              <a:schemeClr val="bg2">
+                <a:lumMod val="90000"/>
+              </a:schemeClr>
+            </a:solidFill>
+          </a:ln>
+        </p:spPr>
+        <p:style>
+          <a:lnRef idx="1">
+            <a:schemeClr val="accent1"/>
+          </a:lnRef>
+          <a:fillRef idx="0">
+            <a:schemeClr val="accent1"/>
+          </a:fillRef>
+          <a:effectRef idx="0">
+            <a:schemeClr val="accent1"/>
+          </a:effectRef>
+          <a:fontRef idx="minor">
+            <a:schemeClr val="tx1"/>
+          </a:fontRef>
+        </p:style>
+      </p:cxnSp>
+      <p:cxnSp>
+        <p:nvCxnSpPr>
+          <p:cNvPr id="26" name="Straight Connector 25">
+            <a:extLst>
+              <a:ext uri="{FF2B5EF4-FFF2-40B4-BE49-F238E27FC236}">
+                <a16:creationId xmlns:a16="http://schemas.microsoft.com/office/drawing/2014/main" id="{9099DEF2-4FCF-C844-B250-B2D03C4CA025}"/>
+              </a:ext>
+            </a:extLst>
+          </p:cNvPr>
+          <p:cNvCxnSpPr/>
+          <p:nvPr/>
+        </p:nvCxnSpPr>
+        <p:spPr>
+          <a:xfrm>
+            <a:off x="685800" y="2338552"/>
+            <a:ext cx="1413304" cy="0"/>
+          </a:xfrm>
+          <a:prstGeom prst="line">
+            <a:avLst/>
+          </a:prstGeom>
+          <a:ln>
+            <a:solidFill>
+              <a:schemeClr val="bg2">
+                <a:lumMod val="90000"/>
+              </a:schemeClr>
+            </a:solidFill>
+          </a:ln>
+        </p:spPr>
+        <p:style>
+          <a:lnRef idx="1">
+            <a:schemeClr val="accent1"/>
+          </a:lnRef>
+          <a:fillRef idx="0">
+            <a:schemeClr val="accent1"/>
+          </a:fillRef>
+          <a:effectRef idx="0">
+            <a:schemeClr val="accent1"/>
+          </a:effectRef>
+          <a:fontRef idx="minor">
+            <a:schemeClr val="tx1"/>
+          </a:fontRef>
+        </p:style>
+      </p:cxnSp>
+      <p:sp>
+        <p:nvSpPr>
+          <p:cNvPr id="31" name="10-Point Star 30">
+            <a:extLst>
+              <a:ext uri="{FF2B5EF4-FFF2-40B4-BE49-F238E27FC236}">
+                <a16:creationId xmlns:a16="http://schemas.microsoft.com/office/drawing/2014/main" id="{8CCE06D4-E0BF-1D47-B8B9-42AAEFF56260}"/>
+              </a:ext>
+            </a:extLst>
+          </p:cNvPr>
+          <p:cNvSpPr/>
+          <p:nvPr/>
+        </p:nvSpPr>
+        <p:spPr>
+          <a:xfrm>
+            <a:off x="708299" y="412457"/>
+            <a:ext cx="365760" cy="365760"/>
+          </a:xfrm>
+          <a:prstGeom prst="star10">
+            <a:avLst/>
+          </a:prstGeom>
+          <a:solidFill>
+            <a:schemeClr val="bg1">
+              <a:lumMod val="50000"/>
+            </a:schemeClr>
+          </a:solidFill>
+          <a:ln>
+            <a:solidFill>
+              <a:schemeClr val="bg1">
+                <a:lumMod val="50000"/>
+              </a:schemeClr>
+            </a:solidFill>
+          </a:ln>
+        </p:spPr>
+        <p:style>
+          <a:lnRef idx="2">
+            <a:schemeClr val="accent1">
+              <a:shade val="50000"/>
+            </a:schemeClr>
+          </a:lnRef>
+          <a:fillRef idx="1">
+            <a:schemeClr val="accent1"/>
+          </a:fillRef>
+          <a:effectRef idx="0">
+            <a:schemeClr val="accent1"/>
+          </a:effectRef>
+          <a:fontRef idx="minor">
+            <a:schemeClr val="lt1"/>
+          </a:fontRef>
+        </p:style>
+        <p:txBody>
+          <a:bodyPr rtlCol="0" anchor="ctr"/>
+          <a:lstStyle/>
+          <a:p>
+            <a:pPr algn="ctr"/>
+            <a:endParaRPr lang="en-US"/>
+          </a:p>
+        </p:txBody>
+      </p:sp>
+      <p:sp>
+        <p:nvSpPr>
+          <p:cNvPr id="28" name="TextBox 27">
+            <a:extLst>
+              <a:ext uri="{FF2B5EF4-FFF2-40B4-BE49-F238E27FC236}">
+                <a16:creationId xmlns:a16="http://schemas.microsoft.com/office/drawing/2014/main" id="{5400814F-BF8F-B543-B30B-B0DFE79B3E21}"/>
+              </a:ext>
+            </a:extLst>
+          </p:cNvPr>
+          <p:cNvSpPr txBox="1"/>
+          <p:nvPr/>
+        </p:nvSpPr>
+        <p:spPr>
+          <a:xfrm>
+            <a:off x="740336" y="410657"/>
+            <a:ext cx="301686" cy="369332"/>
+          </a:xfrm>
+          <a:prstGeom prst="rect">
+            <a:avLst/>
+          </a:prstGeom>
+          <a:noFill/>
+        </p:spPr>
+        <p:txBody>
+          <a:bodyPr wrap="none" rtlCol="0">
+            <a:spAutoFit/>
+          </a:bodyPr>
+          <a:lstStyle/>
+          <a:p>
+            <a:r>
+              <a:rPr lang="en-US" dirty="0">
+                <a:solidFill>
+                  <a:schemeClr val="bg1"/>
+                </a:solidFill>
+              </a:rPr>
+              <a:t>$</a:t>
+            </a:r>
+          </a:p>
+        </p:txBody>
+      </p:sp>
+    </p:spTree>
+    <p:extLst>
+      <p:ext uri="{BB962C8B-B14F-4D97-AF65-F5344CB8AC3E}">
+        <p14:creationId xmlns:p14="http://schemas.microsoft.com/office/powerpoint/2010/main" val="785012"/>
+      </p:ext>
+    </p:extLst>
+  </p:cSld>
+  <p:clrMapOvr>
+    <a:masterClrMapping/>
+  </p:clrMapOvr>
+</p:sld>
+</file>
+
 <file path=ppt/theme/theme1.xml><?xml version="1.0" encoding="utf-8"?>
 <a:theme xmlns:a="http://schemas.openxmlformats.org/drawingml/2006/main" name="Office Theme">
   <a:themeElements>

--- a/Resources icons.pptx
+++ b/Resources icons.pptx
@@ -7923,436 +7923,6 @@
           </a:p>
         </p:txBody>
       </p:sp>
-      <p:cxnSp>
-        <p:nvCxnSpPr>
-          <p:cNvPr id="17" name="Straight Connector 16">
-            <a:extLst>
-              <a:ext uri="{FF2B5EF4-FFF2-40B4-BE49-F238E27FC236}">
-                <a16:creationId xmlns:a16="http://schemas.microsoft.com/office/drawing/2014/main" id="{FE659593-4B7C-4C45-93E2-FF29963A5E98}"/>
-              </a:ext>
-            </a:extLst>
-          </p:cNvPr>
-          <p:cNvCxnSpPr/>
-          <p:nvPr/>
-        </p:nvCxnSpPr>
-        <p:spPr>
-          <a:xfrm>
-            <a:off x="688765" y="888124"/>
-            <a:ext cx="1413304" cy="0"/>
-          </a:xfrm>
-          <a:prstGeom prst="line">
-            <a:avLst/>
-          </a:prstGeom>
-          <a:ln>
-            <a:solidFill>
-              <a:schemeClr val="bg2">
-                <a:lumMod val="90000"/>
-              </a:schemeClr>
-            </a:solidFill>
-          </a:ln>
-        </p:spPr>
-        <p:style>
-          <a:lnRef idx="1">
-            <a:schemeClr val="accent1"/>
-          </a:lnRef>
-          <a:fillRef idx="0">
-            <a:schemeClr val="accent1"/>
-          </a:fillRef>
-          <a:effectRef idx="0">
-            <a:schemeClr val="accent1"/>
-          </a:effectRef>
-          <a:fontRef idx="minor">
-            <a:schemeClr val="tx1"/>
-          </a:fontRef>
-        </p:style>
-      </p:cxnSp>
-      <p:cxnSp>
-        <p:nvCxnSpPr>
-          <p:cNvPr id="18" name="Straight Connector 17">
-            <a:extLst>
-              <a:ext uri="{FF2B5EF4-FFF2-40B4-BE49-F238E27FC236}">
-                <a16:creationId xmlns:a16="http://schemas.microsoft.com/office/drawing/2014/main" id="{2E59BAD4-BFBE-FF40-8A9F-845E71EBE377}"/>
-              </a:ext>
-            </a:extLst>
-          </p:cNvPr>
-          <p:cNvCxnSpPr/>
-          <p:nvPr/>
-        </p:nvCxnSpPr>
-        <p:spPr>
-          <a:xfrm>
-            <a:off x="688765" y="1056289"/>
-            <a:ext cx="1413304" cy="0"/>
-          </a:xfrm>
-          <a:prstGeom prst="line">
-            <a:avLst/>
-          </a:prstGeom>
-          <a:ln>
-            <a:solidFill>
-              <a:schemeClr val="bg2">
-                <a:lumMod val="90000"/>
-              </a:schemeClr>
-            </a:solidFill>
-          </a:ln>
-        </p:spPr>
-        <p:style>
-          <a:lnRef idx="1">
-            <a:schemeClr val="accent1"/>
-          </a:lnRef>
-          <a:fillRef idx="0">
-            <a:schemeClr val="accent1"/>
-          </a:fillRef>
-          <a:effectRef idx="0">
-            <a:schemeClr val="accent1"/>
-          </a:effectRef>
-          <a:fontRef idx="minor">
-            <a:schemeClr val="tx1"/>
-          </a:fontRef>
-        </p:style>
-      </p:cxnSp>
-      <p:cxnSp>
-        <p:nvCxnSpPr>
-          <p:cNvPr id="19" name="Straight Connector 18">
-            <a:extLst>
-              <a:ext uri="{FF2B5EF4-FFF2-40B4-BE49-F238E27FC236}">
-                <a16:creationId xmlns:a16="http://schemas.microsoft.com/office/drawing/2014/main" id="{7BB0CAF7-1052-A14D-91DE-D87844D29DCE}"/>
-              </a:ext>
-            </a:extLst>
-          </p:cNvPr>
-          <p:cNvCxnSpPr/>
-          <p:nvPr/>
-        </p:nvCxnSpPr>
-        <p:spPr>
-          <a:xfrm>
-            <a:off x="688765" y="1213945"/>
-            <a:ext cx="1413304" cy="0"/>
-          </a:xfrm>
-          <a:prstGeom prst="line">
-            <a:avLst/>
-          </a:prstGeom>
-          <a:ln>
-            <a:solidFill>
-              <a:schemeClr val="bg2">
-                <a:lumMod val="90000"/>
-              </a:schemeClr>
-            </a:solidFill>
-          </a:ln>
-        </p:spPr>
-        <p:style>
-          <a:lnRef idx="1">
-            <a:schemeClr val="accent1"/>
-          </a:lnRef>
-          <a:fillRef idx="0">
-            <a:schemeClr val="accent1"/>
-          </a:fillRef>
-          <a:effectRef idx="0">
-            <a:schemeClr val="accent1"/>
-          </a:effectRef>
-          <a:fontRef idx="minor">
-            <a:schemeClr val="tx1"/>
-          </a:fontRef>
-        </p:style>
-      </p:cxnSp>
-      <p:cxnSp>
-        <p:nvCxnSpPr>
-          <p:cNvPr id="20" name="Straight Connector 19">
-            <a:extLst>
-              <a:ext uri="{FF2B5EF4-FFF2-40B4-BE49-F238E27FC236}">
-                <a16:creationId xmlns:a16="http://schemas.microsoft.com/office/drawing/2014/main" id="{8F75C154-D24F-DC45-801E-B1B868E85BC0}"/>
-              </a:ext>
-            </a:extLst>
-          </p:cNvPr>
-          <p:cNvCxnSpPr/>
-          <p:nvPr/>
-        </p:nvCxnSpPr>
-        <p:spPr>
-          <a:xfrm>
-            <a:off x="688765" y="1376855"/>
-            <a:ext cx="1413304" cy="0"/>
-          </a:xfrm>
-          <a:prstGeom prst="line">
-            <a:avLst/>
-          </a:prstGeom>
-          <a:ln>
-            <a:solidFill>
-              <a:schemeClr val="bg2">
-                <a:lumMod val="90000"/>
-              </a:schemeClr>
-            </a:solidFill>
-          </a:ln>
-        </p:spPr>
-        <p:style>
-          <a:lnRef idx="1">
-            <a:schemeClr val="accent1"/>
-          </a:lnRef>
-          <a:fillRef idx="0">
-            <a:schemeClr val="accent1"/>
-          </a:fillRef>
-          <a:effectRef idx="0">
-            <a:schemeClr val="accent1"/>
-          </a:effectRef>
-          <a:fontRef idx="minor">
-            <a:schemeClr val="tx1"/>
-          </a:fontRef>
-        </p:style>
-      </p:cxnSp>
-      <p:cxnSp>
-        <p:nvCxnSpPr>
-          <p:cNvPr id="21" name="Straight Connector 20">
-            <a:extLst>
-              <a:ext uri="{FF2B5EF4-FFF2-40B4-BE49-F238E27FC236}">
-                <a16:creationId xmlns:a16="http://schemas.microsoft.com/office/drawing/2014/main" id="{9A18BD41-62B4-6644-B0DA-9B59B457AC7A}"/>
-              </a:ext>
-            </a:extLst>
-          </p:cNvPr>
-          <p:cNvCxnSpPr/>
-          <p:nvPr/>
-        </p:nvCxnSpPr>
-        <p:spPr>
-          <a:xfrm>
-            <a:off x="688765" y="1545020"/>
-            <a:ext cx="1413304" cy="0"/>
-          </a:xfrm>
-          <a:prstGeom prst="line">
-            <a:avLst/>
-          </a:prstGeom>
-          <a:ln>
-            <a:solidFill>
-              <a:schemeClr val="bg2">
-                <a:lumMod val="90000"/>
-              </a:schemeClr>
-            </a:solidFill>
-          </a:ln>
-        </p:spPr>
-        <p:style>
-          <a:lnRef idx="1">
-            <a:schemeClr val="accent1"/>
-          </a:lnRef>
-          <a:fillRef idx="0">
-            <a:schemeClr val="accent1"/>
-          </a:fillRef>
-          <a:effectRef idx="0">
-            <a:schemeClr val="accent1"/>
-          </a:effectRef>
-          <a:fontRef idx="minor">
-            <a:schemeClr val="tx1"/>
-          </a:fontRef>
-        </p:style>
-      </p:cxnSp>
-      <p:cxnSp>
-        <p:nvCxnSpPr>
-          <p:cNvPr id="22" name="Straight Connector 21">
-            <a:extLst>
-              <a:ext uri="{FF2B5EF4-FFF2-40B4-BE49-F238E27FC236}">
-                <a16:creationId xmlns:a16="http://schemas.microsoft.com/office/drawing/2014/main" id="{8EB46669-A94B-D648-8CD6-2F37410385B3}"/>
-              </a:ext>
-            </a:extLst>
-          </p:cNvPr>
-          <p:cNvCxnSpPr/>
-          <p:nvPr/>
-        </p:nvCxnSpPr>
-        <p:spPr>
-          <a:xfrm>
-            <a:off x="688765" y="1702676"/>
-            <a:ext cx="1413304" cy="0"/>
-          </a:xfrm>
-          <a:prstGeom prst="line">
-            <a:avLst/>
-          </a:prstGeom>
-          <a:ln>
-            <a:solidFill>
-              <a:schemeClr val="bg2">
-                <a:lumMod val="90000"/>
-              </a:schemeClr>
-            </a:solidFill>
-          </a:ln>
-        </p:spPr>
-        <p:style>
-          <a:lnRef idx="1">
-            <a:schemeClr val="accent1"/>
-          </a:lnRef>
-          <a:fillRef idx="0">
-            <a:schemeClr val="accent1"/>
-          </a:fillRef>
-          <a:effectRef idx="0">
-            <a:schemeClr val="accent1"/>
-          </a:effectRef>
-          <a:fontRef idx="minor">
-            <a:schemeClr val="tx1"/>
-          </a:fontRef>
-        </p:style>
-      </p:cxnSp>
-      <p:cxnSp>
-        <p:nvCxnSpPr>
-          <p:cNvPr id="23" name="Straight Connector 22">
-            <a:extLst>
-              <a:ext uri="{FF2B5EF4-FFF2-40B4-BE49-F238E27FC236}">
-                <a16:creationId xmlns:a16="http://schemas.microsoft.com/office/drawing/2014/main" id="{0B8F9D40-F887-E642-B110-4214281F3783}"/>
-              </a:ext>
-            </a:extLst>
-          </p:cNvPr>
-          <p:cNvCxnSpPr/>
-          <p:nvPr/>
-        </p:nvCxnSpPr>
-        <p:spPr>
-          <a:xfrm>
-            <a:off x="688765" y="1865586"/>
-            <a:ext cx="1413304" cy="0"/>
-          </a:xfrm>
-          <a:prstGeom prst="line">
-            <a:avLst/>
-          </a:prstGeom>
-          <a:ln>
-            <a:solidFill>
-              <a:schemeClr val="bg2">
-                <a:lumMod val="90000"/>
-              </a:schemeClr>
-            </a:solidFill>
-          </a:ln>
-        </p:spPr>
-        <p:style>
-          <a:lnRef idx="1">
-            <a:schemeClr val="accent1"/>
-          </a:lnRef>
-          <a:fillRef idx="0">
-            <a:schemeClr val="accent1"/>
-          </a:fillRef>
-          <a:effectRef idx="0">
-            <a:schemeClr val="accent1"/>
-          </a:effectRef>
-          <a:fontRef idx="minor">
-            <a:schemeClr val="tx1"/>
-          </a:fontRef>
-        </p:style>
-      </p:cxnSp>
-      <p:cxnSp>
-        <p:nvCxnSpPr>
-          <p:cNvPr id="24" name="Straight Connector 23">
-            <a:extLst>
-              <a:ext uri="{FF2B5EF4-FFF2-40B4-BE49-F238E27FC236}">
-                <a16:creationId xmlns:a16="http://schemas.microsoft.com/office/drawing/2014/main" id="{9E40DA10-1C0A-EC46-AC7B-85C965CA0B4F}"/>
-              </a:ext>
-            </a:extLst>
-          </p:cNvPr>
-          <p:cNvCxnSpPr/>
-          <p:nvPr/>
-        </p:nvCxnSpPr>
-        <p:spPr>
-          <a:xfrm>
-            <a:off x="688765" y="2033751"/>
-            <a:ext cx="1413304" cy="0"/>
-          </a:xfrm>
-          <a:prstGeom prst="line">
-            <a:avLst/>
-          </a:prstGeom>
-          <a:ln>
-            <a:solidFill>
-              <a:schemeClr val="bg2">
-                <a:lumMod val="90000"/>
-              </a:schemeClr>
-            </a:solidFill>
-          </a:ln>
-        </p:spPr>
-        <p:style>
-          <a:lnRef idx="1">
-            <a:schemeClr val="accent1"/>
-          </a:lnRef>
-          <a:fillRef idx="0">
-            <a:schemeClr val="accent1"/>
-          </a:fillRef>
-          <a:effectRef idx="0">
-            <a:schemeClr val="accent1"/>
-          </a:effectRef>
-          <a:fontRef idx="minor">
-            <a:schemeClr val="tx1"/>
-          </a:fontRef>
-        </p:style>
-      </p:cxnSp>
-      <p:cxnSp>
-        <p:nvCxnSpPr>
-          <p:cNvPr id="25" name="Straight Connector 24">
-            <a:extLst>
-              <a:ext uri="{FF2B5EF4-FFF2-40B4-BE49-F238E27FC236}">
-                <a16:creationId xmlns:a16="http://schemas.microsoft.com/office/drawing/2014/main" id="{1AF47BBD-83B3-B641-87CC-E6AA841F285E}"/>
-              </a:ext>
-            </a:extLst>
-          </p:cNvPr>
-          <p:cNvCxnSpPr/>
-          <p:nvPr/>
-        </p:nvCxnSpPr>
-        <p:spPr>
-          <a:xfrm>
-            <a:off x="685800" y="2175642"/>
-            <a:ext cx="1413304" cy="0"/>
-          </a:xfrm>
-          <a:prstGeom prst="line">
-            <a:avLst/>
-          </a:prstGeom>
-          <a:ln>
-            <a:solidFill>
-              <a:schemeClr val="bg2">
-                <a:lumMod val="90000"/>
-              </a:schemeClr>
-            </a:solidFill>
-          </a:ln>
-        </p:spPr>
-        <p:style>
-          <a:lnRef idx="1">
-            <a:schemeClr val="accent1"/>
-          </a:lnRef>
-          <a:fillRef idx="0">
-            <a:schemeClr val="accent1"/>
-          </a:fillRef>
-          <a:effectRef idx="0">
-            <a:schemeClr val="accent1"/>
-          </a:effectRef>
-          <a:fontRef idx="minor">
-            <a:schemeClr val="tx1"/>
-          </a:fontRef>
-        </p:style>
-      </p:cxnSp>
-      <p:cxnSp>
-        <p:nvCxnSpPr>
-          <p:cNvPr id="26" name="Straight Connector 25">
-            <a:extLst>
-              <a:ext uri="{FF2B5EF4-FFF2-40B4-BE49-F238E27FC236}">
-                <a16:creationId xmlns:a16="http://schemas.microsoft.com/office/drawing/2014/main" id="{9099DEF2-4FCF-C844-B250-B2D03C4CA025}"/>
-              </a:ext>
-            </a:extLst>
-          </p:cNvPr>
-          <p:cNvCxnSpPr/>
-          <p:nvPr/>
-        </p:nvCxnSpPr>
-        <p:spPr>
-          <a:xfrm>
-            <a:off x="685800" y="2338552"/>
-            <a:ext cx="1413304" cy="0"/>
-          </a:xfrm>
-          <a:prstGeom prst="line">
-            <a:avLst/>
-          </a:prstGeom>
-          <a:ln>
-            <a:solidFill>
-              <a:schemeClr val="bg2">
-                <a:lumMod val="90000"/>
-              </a:schemeClr>
-            </a:solidFill>
-          </a:ln>
-        </p:spPr>
-        <p:style>
-          <a:lnRef idx="1">
-            <a:schemeClr val="accent1"/>
-          </a:lnRef>
-          <a:fillRef idx="0">
-            <a:schemeClr val="accent1"/>
-          </a:fillRef>
-          <a:effectRef idx="0">
-            <a:schemeClr val="accent1"/>
-          </a:effectRef>
-          <a:fontRef idx="minor">
-            <a:schemeClr val="tx1"/>
-          </a:fontRef>
-        </p:style>
-      </p:cxnSp>
       <p:sp>
         <p:nvSpPr>
           <p:cNvPr id="31" name="10-Point Star 30">
